--- a/Presentation1.pptx
+++ b/Presentation1.pptx
@@ -7,6 +7,8 @@
   <p:sldIdLst>
     <p:sldId id="256" r:id="rId2"/>
     <p:sldId id="257" r:id="rId3"/>
+    <p:sldId id="258" r:id="rId4"/>
+    <p:sldId id="259" r:id="rId5"/>
   </p:sldIdLst>
   <p:sldSz cx="12192000" cy="6858000"/>
   <p:notesSz cx="6858000" cy="9144000"/>
@@ -105,6 +107,11 @@
       </a:defRPr>
     </a:lvl9pPr>
   </p:defaultTextStyle>
+  <p:extLst>
+    <p:ext uri="{EFAFB233-063F-42B5-8137-9DF3F51BA10A}">
+      <p15:sldGuideLst xmlns:p15="http://schemas.microsoft.com/office/powerpoint/2012/main"/>
+    </p:ext>
+  </p:extLst>
 </p:presentation>
 </file>
 
@@ -255,7 +262,7 @@
           <a:p>
             <a:fld id="{1AFB9263-7F74-47EE-8CE7-81AB39F63394}" type="datetimeFigureOut">
               <a:rPr lang="en-US" smtClean="0"/>
-              <a:t>2/1/2020</a:t>
+              <a:t>2/12/2020</a:t>
             </a:fld>
             <a:endParaRPr lang="en-US"/>
           </a:p>
@@ -453,7 +460,7 @@
           <a:p>
             <a:fld id="{1AFB9263-7F74-47EE-8CE7-81AB39F63394}" type="datetimeFigureOut">
               <a:rPr lang="en-US" smtClean="0"/>
-              <a:t>2/1/2020</a:t>
+              <a:t>2/12/2020</a:t>
             </a:fld>
             <a:endParaRPr lang="en-US"/>
           </a:p>
@@ -661,7 +668,7 @@
           <a:p>
             <a:fld id="{1AFB9263-7F74-47EE-8CE7-81AB39F63394}" type="datetimeFigureOut">
               <a:rPr lang="en-US" smtClean="0"/>
-              <a:t>2/1/2020</a:t>
+              <a:t>2/12/2020</a:t>
             </a:fld>
             <a:endParaRPr lang="en-US"/>
           </a:p>
@@ -859,7 +866,7 @@
           <a:p>
             <a:fld id="{1AFB9263-7F74-47EE-8CE7-81AB39F63394}" type="datetimeFigureOut">
               <a:rPr lang="en-US" smtClean="0"/>
-              <a:t>2/1/2020</a:t>
+              <a:t>2/12/2020</a:t>
             </a:fld>
             <a:endParaRPr lang="en-US"/>
           </a:p>
@@ -1134,7 +1141,7 @@
           <a:p>
             <a:fld id="{1AFB9263-7F74-47EE-8CE7-81AB39F63394}" type="datetimeFigureOut">
               <a:rPr lang="en-US" smtClean="0"/>
-              <a:t>2/1/2020</a:t>
+              <a:t>2/12/2020</a:t>
             </a:fld>
             <a:endParaRPr lang="en-US"/>
           </a:p>
@@ -1399,7 +1406,7 @@
           <a:p>
             <a:fld id="{1AFB9263-7F74-47EE-8CE7-81AB39F63394}" type="datetimeFigureOut">
               <a:rPr lang="en-US" smtClean="0"/>
-              <a:t>2/1/2020</a:t>
+              <a:t>2/12/2020</a:t>
             </a:fld>
             <a:endParaRPr lang="en-US"/>
           </a:p>
@@ -1811,7 +1818,7 @@
           <a:p>
             <a:fld id="{1AFB9263-7F74-47EE-8CE7-81AB39F63394}" type="datetimeFigureOut">
               <a:rPr lang="en-US" smtClean="0"/>
-              <a:t>2/1/2020</a:t>
+              <a:t>2/12/2020</a:t>
             </a:fld>
             <a:endParaRPr lang="en-US"/>
           </a:p>
@@ -1952,7 +1959,7 @@
           <a:p>
             <a:fld id="{1AFB9263-7F74-47EE-8CE7-81AB39F63394}" type="datetimeFigureOut">
               <a:rPr lang="en-US" smtClean="0"/>
-              <a:t>2/1/2020</a:t>
+              <a:t>2/12/2020</a:t>
             </a:fld>
             <a:endParaRPr lang="en-US"/>
           </a:p>
@@ -2065,7 +2072,7 @@
           <a:p>
             <a:fld id="{1AFB9263-7F74-47EE-8CE7-81AB39F63394}" type="datetimeFigureOut">
               <a:rPr lang="en-US" smtClean="0"/>
-              <a:t>2/1/2020</a:t>
+              <a:t>2/12/2020</a:t>
             </a:fld>
             <a:endParaRPr lang="en-US"/>
           </a:p>
@@ -2376,7 +2383,7 @@
           <a:p>
             <a:fld id="{1AFB9263-7F74-47EE-8CE7-81AB39F63394}" type="datetimeFigureOut">
               <a:rPr lang="en-US" smtClean="0"/>
-              <a:t>2/1/2020</a:t>
+              <a:t>2/12/2020</a:t>
             </a:fld>
             <a:endParaRPr lang="en-US"/>
           </a:p>
@@ -2664,7 +2671,7 @@
           <a:p>
             <a:fld id="{1AFB9263-7F74-47EE-8CE7-81AB39F63394}" type="datetimeFigureOut">
               <a:rPr lang="en-US" smtClean="0"/>
-              <a:t>2/1/2020</a:t>
+              <a:t>2/12/2020</a:t>
             </a:fld>
             <a:endParaRPr lang="en-US"/>
           </a:p>
@@ -2905,7 +2912,7 @@
           <a:p>
             <a:fld id="{1AFB9263-7F74-47EE-8CE7-81AB39F63394}" type="datetimeFigureOut">
               <a:rPr lang="en-US" smtClean="0"/>
-              <a:t>2/1/2020</a:t>
+              <a:t>2/12/2020</a:t>
             </a:fld>
             <a:endParaRPr lang="en-US"/>
           </a:p>
@@ -3324,10 +3331,10 @@
       </p:grpSpPr>
       <p:grpSp>
         <p:nvGrpSpPr>
-          <p:cNvPr id="11" name="Group 10">
-            <a:extLst>
-              <a:ext uri="{FF2B5EF4-FFF2-40B4-BE49-F238E27FC236}">
-                <a16:creationId xmlns:a16="http://schemas.microsoft.com/office/drawing/2014/main" id="{53319231-6B63-4065-BC28-8B1BC903ACAA}"/>
+          <p:cNvPr id="3" name="Group 2">
+            <a:extLst>
+              <a:ext uri="{FF2B5EF4-FFF2-40B4-BE49-F238E27FC236}">
+                <a16:creationId xmlns:a16="http://schemas.microsoft.com/office/drawing/2014/main" id="{FE034252-26AC-4BDD-AE4D-1D9BF9333F06}"/>
               </a:ext>
             </a:extLst>
           </p:cNvPr>
@@ -3336,10 +3343,10 @@
         </p:nvGrpSpPr>
         <p:grpSpPr>
           <a:xfrm>
-            <a:off x="7637463" y="890587"/>
-            <a:ext cx="2613978" cy="684213"/>
-            <a:chOff x="4462462" y="3214687"/>
-            <a:chExt cx="3267075" cy="916305"/>
+            <a:off x="3829155" y="162560"/>
+            <a:ext cx="6422286" cy="5707627"/>
+            <a:chOff x="3829155" y="162560"/>
+            <a:chExt cx="6422286" cy="5707627"/>
           </a:xfrm>
         </p:grpSpPr>
         <p:pic>
@@ -3370,8 +3377,8 @@
           </p:blipFill>
           <p:spPr>
             <a:xfrm>
-              <a:off x="4462462" y="3214687"/>
-              <a:ext cx="3267075" cy="428625"/>
+              <a:off x="7637463" y="890587"/>
+              <a:ext cx="2613978" cy="320058"/>
             </a:xfrm>
             <a:prstGeom prst="rect">
               <a:avLst/>
@@ -3406,8 +3413,8 @@
           </p:blipFill>
           <p:spPr>
             <a:xfrm>
-              <a:off x="4819649" y="3348037"/>
-              <a:ext cx="2729593" cy="161925"/>
+              <a:off x="7923247" y="990161"/>
+              <a:ext cx="2183940" cy="120911"/>
             </a:xfrm>
             <a:prstGeom prst="rect">
               <a:avLst/>
@@ -3442,8 +3449,8 @@
           </p:blipFill>
           <p:spPr>
             <a:xfrm>
-              <a:off x="4462462" y="3702367"/>
-              <a:ext cx="3267075" cy="428625"/>
+              <a:off x="7637463" y="1254742"/>
+              <a:ext cx="2613978" cy="320058"/>
             </a:xfrm>
             <a:prstGeom prst="rect">
               <a:avLst/>
@@ -3452,10 +3459,10 @@
         </p:pic>
         <p:pic>
           <p:nvPicPr>
-            <p:cNvPr id="10" name="Picture 9">
+            <p:cNvPr id="13" name="Picture 12">
               <a:extLst>
                 <a:ext uri="{FF2B5EF4-FFF2-40B4-BE49-F238E27FC236}">
-                  <a16:creationId xmlns:a16="http://schemas.microsoft.com/office/drawing/2014/main" id="{56D68F0C-F45F-4DEB-A19E-E3D264AE4FAE}"/>
+                  <a16:creationId xmlns:a16="http://schemas.microsoft.com/office/drawing/2014/main" id="{86A0D4B6-CEAB-44DF-BD49-5D37D25B715A}"/>
                 </a:ext>
               </a:extLst>
             </p:cNvPr>
@@ -3478,51 +3485,106 @@
           </p:blipFill>
           <p:spPr>
             <a:xfrm>
-              <a:off x="4973669" y="3817618"/>
-              <a:ext cx="2575573" cy="198121"/>
+              <a:off x="3829155" y="162560"/>
+              <a:ext cx="4329674" cy="5707627"/>
             </a:xfrm>
             <a:prstGeom prst="rect">
               <a:avLst/>
             </a:prstGeom>
           </p:spPr>
         </p:pic>
+        <p:grpSp>
+          <p:nvGrpSpPr>
+            <p:cNvPr id="2" name="Group 1">
+              <a:extLst>
+                <a:ext uri="{FF2B5EF4-FFF2-40B4-BE49-F238E27FC236}">
+                  <a16:creationId xmlns:a16="http://schemas.microsoft.com/office/drawing/2014/main" id="{E0FA381C-890F-4CCB-BF51-93866EB7021B}"/>
+                </a:ext>
+              </a:extLst>
+            </p:cNvPr>
+            <p:cNvGrpSpPr/>
+            <p:nvPr/>
+          </p:nvGrpSpPr>
+          <p:grpSpPr>
+            <a:xfrm>
+              <a:off x="8046479" y="1310219"/>
+              <a:ext cx="2081028" cy="178521"/>
+              <a:chOff x="8046479" y="1310219"/>
+              <a:chExt cx="2081028" cy="178521"/>
+            </a:xfrm>
+          </p:grpSpPr>
+          <p:pic>
+            <p:nvPicPr>
+              <p:cNvPr id="10" name="Picture 9">
+                <a:extLst>
+                  <a:ext uri="{FF2B5EF4-FFF2-40B4-BE49-F238E27FC236}">
+                    <a16:creationId xmlns:a16="http://schemas.microsoft.com/office/drawing/2014/main" id="{56D68F0C-F45F-4DEB-A19E-E3D264AE4FAE}"/>
+                  </a:ext>
+                </a:extLst>
+              </p:cNvPr>
+              <p:cNvPicPr>
+                <a:picLocks noChangeAspect="1"/>
+              </p:cNvPicPr>
+              <p:nvPr/>
+            </p:nvPicPr>
+            <p:blipFill rotWithShape="1">
+              <a:blip r:embed="rId5">
+                <a:extLst>
+                  <a:ext uri="{28A0092B-C50C-407E-A947-70E740481C1C}">
+                    <a14:useLocalDpi xmlns:a14="http://schemas.microsoft.com/office/drawing/2010/main" val="0"/>
+                  </a:ext>
+                </a:extLst>
+              </a:blip>
+              <a:srcRect t="-20671" r="12228" b="-1"/>
+              <a:stretch/>
+            </p:blipFill>
+            <p:spPr>
+              <a:xfrm>
+                <a:off x="8046479" y="1310219"/>
+                <a:ext cx="1808722" cy="178521"/>
+              </a:xfrm>
+              <a:prstGeom prst="rect">
+                <a:avLst/>
+              </a:prstGeom>
+            </p:spPr>
+          </p:pic>
+          <p:pic>
+            <p:nvPicPr>
+              <p:cNvPr id="9" name="Picture 8">
+                <a:extLst>
+                  <a:ext uri="{FF2B5EF4-FFF2-40B4-BE49-F238E27FC236}">
+                    <a16:creationId xmlns:a16="http://schemas.microsoft.com/office/drawing/2014/main" id="{BF87C014-6BC9-4CD4-8DE2-DAC28521A710}"/>
+                  </a:ext>
+                </a:extLst>
+              </p:cNvPr>
+              <p:cNvPicPr>
+                <a:picLocks noChangeAspect="1"/>
+              </p:cNvPicPr>
+              <p:nvPr/>
+            </p:nvPicPr>
+            <p:blipFill rotWithShape="1">
+              <a:blip r:embed="rId5">
+                <a:extLst>
+                  <a:ext uri="{28A0092B-C50C-407E-A947-70E740481C1C}">
+                    <a14:useLocalDpi xmlns:a14="http://schemas.microsoft.com/office/drawing/2010/main" val="0"/>
+                  </a:ext>
+                </a:extLst>
+              </a:blip>
+              <a:srcRect l="73129" t="1" r="12203" b="5352"/>
+              <a:stretch/>
+            </p:blipFill>
+            <p:spPr>
+              <a:xfrm>
+                <a:off x="9825247" y="1339522"/>
+                <a:ext cx="302260" cy="140019"/>
+              </a:xfrm>
+              <a:prstGeom prst="rect">
+                <a:avLst/>
+              </a:prstGeom>
+            </p:spPr>
+          </p:pic>
+        </p:grpSp>
       </p:grpSp>
-      <p:pic>
-        <p:nvPicPr>
-          <p:cNvPr id="13" name="Picture 12">
-            <a:extLst>
-              <a:ext uri="{FF2B5EF4-FFF2-40B4-BE49-F238E27FC236}">
-                <a16:creationId xmlns:a16="http://schemas.microsoft.com/office/drawing/2014/main" id="{86A0D4B6-CEAB-44DF-BD49-5D37D25B715A}"/>
-              </a:ext>
-            </a:extLst>
-          </p:cNvPr>
-          <p:cNvPicPr>
-            <a:picLocks noChangeAspect="1"/>
-          </p:cNvPicPr>
-          <p:nvPr/>
-        </p:nvPicPr>
-        <p:blipFill>
-          <a:blip r:embed="rId5">
-            <a:extLst>
-              <a:ext uri="{28A0092B-C50C-407E-A947-70E740481C1C}">
-                <a14:useLocalDpi xmlns:a14="http://schemas.microsoft.com/office/drawing/2010/main" val="0"/>
-              </a:ext>
-            </a:extLst>
-          </a:blip>
-          <a:stretch>
-            <a:fillRect/>
-          </a:stretch>
-        </p:blipFill>
-        <p:spPr>
-          <a:xfrm>
-            <a:off x="3829155" y="162560"/>
-            <a:ext cx="4329674" cy="5707627"/>
-          </a:xfrm>
-          <a:prstGeom prst="rect">
-            <a:avLst/>
-          </a:prstGeom>
-        </p:spPr>
-      </p:pic>
     </p:spTree>
     <p:extLst>
       <p:ext uri="{BB962C8B-B14F-4D97-AF65-F5344CB8AC3E}">
@@ -3675,10 +3737,195 @@
           </a:p>
         </p:txBody>
       </p:sp>
+      <p:sp>
+        <p:nvSpPr>
+          <p:cNvPr id="2" name="Rectangle 1">
+            <a:extLst>
+              <a:ext uri="{FF2B5EF4-FFF2-40B4-BE49-F238E27FC236}">
+                <a16:creationId xmlns:a16="http://schemas.microsoft.com/office/drawing/2014/main" id="{36BE7EC6-B590-400A-BA75-9AFED3C3C972}"/>
+              </a:ext>
+            </a:extLst>
+          </p:cNvPr>
+          <p:cNvSpPr/>
+          <p:nvPr/>
+        </p:nvSpPr>
+        <p:spPr>
+          <a:xfrm>
+            <a:off x="-656948" y="3355759"/>
+            <a:ext cx="497150" cy="2547891"/>
+          </a:xfrm>
+          <a:prstGeom prst="rect">
+            <a:avLst/>
+          </a:prstGeom>
+          <a:solidFill>
+            <a:srgbClr val="ED462F"/>
+          </a:solidFill>
+        </p:spPr>
+        <p:style>
+          <a:lnRef idx="2">
+            <a:schemeClr val="accent1">
+              <a:shade val="50000"/>
+            </a:schemeClr>
+          </a:lnRef>
+          <a:fillRef idx="1">
+            <a:schemeClr val="accent1"/>
+          </a:fillRef>
+          <a:effectRef idx="0">
+            <a:schemeClr val="accent1"/>
+          </a:effectRef>
+          <a:fontRef idx="minor">
+            <a:schemeClr val="lt1"/>
+          </a:fontRef>
+        </p:style>
+        <p:txBody>
+          <a:bodyPr rtlCol="0" anchor="ctr"/>
+          <a:lstStyle/>
+          <a:p>
+            <a:pPr algn="ctr"/>
+            <a:endParaRPr lang="en-US"/>
+          </a:p>
+        </p:txBody>
+      </p:sp>
     </p:spTree>
     <p:extLst>
       <p:ext uri="{BB962C8B-B14F-4D97-AF65-F5344CB8AC3E}">
         <p14:creationId xmlns:p14="http://schemas.microsoft.com/office/powerpoint/2010/main" val="589276620"/>
+      </p:ext>
+    </p:extLst>
+  </p:cSld>
+  <p:clrMapOvr>
+    <a:masterClrMapping/>
+  </p:clrMapOvr>
+</p:sld>
+</file>
+
+<file path=ppt/slides/slide3.xml><?xml version="1.0" encoding="utf-8"?>
+<p:sld xmlns:a="http://schemas.openxmlformats.org/drawingml/2006/main" xmlns:r="http://schemas.openxmlformats.org/officeDocument/2006/relationships" xmlns:p="http://schemas.openxmlformats.org/presentationml/2006/main">
+  <p:cSld>
+    <p:spTree>
+      <p:nvGrpSpPr>
+        <p:cNvPr id="1" name=""/>
+        <p:cNvGrpSpPr/>
+        <p:nvPr/>
+      </p:nvGrpSpPr>
+      <p:grpSpPr>
+        <a:xfrm>
+          <a:off x="0" y="0"/>
+          <a:ext cx="0" cy="0"/>
+          <a:chOff x="0" y="0"/>
+          <a:chExt cx="0" cy="0"/>
+        </a:xfrm>
+      </p:grpSpPr>
+      <p:pic>
+        <p:nvPicPr>
+          <p:cNvPr id="3" name="Picture 2">
+            <a:extLst>
+              <a:ext uri="{FF2B5EF4-FFF2-40B4-BE49-F238E27FC236}">
+                <a16:creationId xmlns:a16="http://schemas.microsoft.com/office/drawing/2014/main" id="{890474F3-EB72-4FC5-8B03-DA3BB5FF8009}"/>
+              </a:ext>
+            </a:extLst>
+          </p:cNvPr>
+          <p:cNvPicPr>
+            <a:picLocks noChangeAspect="1"/>
+          </p:cNvPicPr>
+          <p:nvPr/>
+        </p:nvPicPr>
+        <p:blipFill>
+          <a:blip r:embed="rId2">
+            <a:extLst>
+              <a:ext uri="{28A0092B-C50C-407E-A947-70E740481C1C}">
+                <a14:useLocalDpi xmlns:a14="http://schemas.microsoft.com/office/drawing/2010/main" val="0"/>
+              </a:ext>
+            </a:extLst>
+          </a:blip>
+          <a:stretch>
+            <a:fillRect/>
+          </a:stretch>
+        </p:blipFill>
+        <p:spPr>
+          <a:xfrm>
+            <a:off x="1215778" y="1735862"/>
+            <a:ext cx="1815206" cy="1815206"/>
+          </a:xfrm>
+          <a:prstGeom prst="rect">
+            <a:avLst/>
+          </a:prstGeom>
+        </p:spPr>
+      </p:pic>
+      <p:pic>
+        <p:nvPicPr>
+          <p:cNvPr id="5" name="Picture 4">
+            <a:extLst>
+              <a:ext uri="{FF2B5EF4-FFF2-40B4-BE49-F238E27FC236}">
+                <a16:creationId xmlns:a16="http://schemas.microsoft.com/office/drawing/2014/main" id="{09D1B9F4-11DC-429D-B4D7-DCC8D181BB40}"/>
+              </a:ext>
+            </a:extLst>
+          </p:cNvPr>
+          <p:cNvPicPr>
+            <a:picLocks noChangeAspect="1"/>
+          </p:cNvPicPr>
+          <p:nvPr/>
+        </p:nvPicPr>
+        <p:blipFill rotWithShape="1">
+          <a:blip r:embed="rId3">
+            <a:extLst>
+              <a:ext uri="{28A0092B-C50C-407E-A947-70E740481C1C}">
+                <a14:useLocalDpi xmlns:a14="http://schemas.microsoft.com/office/drawing/2010/main" val="0"/>
+              </a:ext>
+            </a:extLst>
+          </a:blip>
+          <a:srcRect l="29252" t="-1" r="29523" b="38462"/>
+          <a:stretch/>
+        </p:blipFill>
+        <p:spPr>
+          <a:xfrm>
+            <a:off x="3673554" y="1746542"/>
+            <a:ext cx="1884426" cy="1884426"/>
+          </a:xfrm>
+          <a:prstGeom prst="ellipse">
+            <a:avLst/>
+          </a:prstGeom>
+          <a:ln w="57150">
+            <a:solidFill>
+              <a:srgbClr val="ED462F"/>
+            </a:solidFill>
+          </a:ln>
+        </p:spPr>
+      </p:pic>
+    </p:spTree>
+    <p:extLst>
+      <p:ext uri="{BB962C8B-B14F-4D97-AF65-F5344CB8AC3E}">
+        <p14:creationId xmlns:p14="http://schemas.microsoft.com/office/powerpoint/2010/main" val="2802254195"/>
+      </p:ext>
+    </p:extLst>
+  </p:cSld>
+  <p:clrMapOvr>
+    <a:masterClrMapping/>
+  </p:clrMapOvr>
+</p:sld>
+</file>
+
+<file path=ppt/slides/slide4.xml><?xml version="1.0" encoding="utf-8"?>
+<p:sld xmlns:a="http://schemas.openxmlformats.org/drawingml/2006/main" xmlns:r="http://schemas.openxmlformats.org/officeDocument/2006/relationships" xmlns:p="http://schemas.openxmlformats.org/presentationml/2006/main">
+  <p:cSld>
+    <p:spTree>
+      <p:nvGrpSpPr>
+        <p:cNvPr id="1" name=""/>
+        <p:cNvGrpSpPr/>
+        <p:nvPr/>
+      </p:nvGrpSpPr>
+      <p:grpSpPr>
+        <a:xfrm>
+          <a:off x="0" y="0"/>
+          <a:ext cx="0" cy="0"/>
+          <a:chOff x="0" y="0"/>
+          <a:chExt cx="0" cy="0"/>
+        </a:xfrm>
+      </p:grpSpPr>
+    </p:spTree>
+    <p:extLst>
+      <p:ext uri="{BB962C8B-B14F-4D97-AF65-F5344CB8AC3E}">
+        <p14:creationId xmlns:p14="http://schemas.microsoft.com/office/powerpoint/2010/main" val="4067830615"/>
       </p:ext>
     </p:extLst>
   </p:cSld>
